--- a/public/presentations/ORIENTAÇÕES - JORNADA DO OPERADOR.pptx
+++ b/public/presentations/ORIENTAÇÕES - JORNADA DO OPERADOR.pptx
@@ -263,7 +263,7 @@
           <a:p>
             <a:fld id="{D87ED840-C909-4A0F-AC24-BB730CF53E23}" type="datetimeFigureOut">
               <a:rPr lang="pt-BR" smtClean="0"/>
-              <a:t>22/12/2025</a:t>
+              <a:t>23/12/2025</a:t>
             </a:fld>
             <a:endParaRPr lang="pt-BR"/>
           </a:p>
@@ -461,7 +461,7 @@
           <a:p>
             <a:fld id="{D87ED840-C909-4A0F-AC24-BB730CF53E23}" type="datetimeFigureOut">
               <a:rPr lang="pt-BR" smtClean="0"/>
-              <a:t>22/12/2025</a:t>
+              <a:t>23/12/2025</a:t>
             </a:fld>
             <a:endParaRPr lang="pt-BR"/>
           </a:p>
@@ -669,7 +669,7 @@
           <a:p>
             <a:fld id="{D87ED840-C909-4A0F-AC24-BB730CF53E23}" type="datetimeFigureOut">
               <a:rPr lang="pt-BR" smtClean="0"/>
-              <a:t>22/12/2025</a:t>
+              <a:t>23/12/2025</a:t>
             </a:fld>
             <a:endParaRPr lang="pt-BR"/>
           </a:p>
@@ -867,7 +867,7 @@
           <a:p>
             <a:fld id="{D87ED840-C909-4A0F-AC24-BB730CF53E23}" type="datetimeFigureOut">
               <a:rPr lang="pt-BR" smtClean="0"/>
-              <a:t>22/12/2025</a:t>
+              <a:t>23/12/2025</a:t>
             </a:fld>
             <a:endParaRPr lang="pt-BR"/>
           </a:p>
@@ -1142,7 +1142,7 @@
           <a:p>
             <a:fld id="{D87ED840-C909-4A0F-AC24-BB730CF53E23}" type="datetimeFigureOut">
               <a:rPr lang="pt-BR" smtClean="0"/>
-              <a:t>22/12/2025</a:t>
+              <a:t>23/12/2025</a:t>
             </a:fld>
             <a:endParaRPr lang="pt-BR"/>
           </a:p>
@@ -1407,7 +1407,7 @@
           <a:p>
             <a:fld id="{D87ED840-C909-4A0F-AC24-BB730CF53E23}" type="datetimeFigureOut">
               <a:rPr lang="pt-BR" smtClean="0"/>
-              <a:t>22/12/2025</a:t>
+              <a:t>23/12/2025</a:t>
             </a:fld>
             <a:endParaRPr lang="pt-BR"/>
           </a:p>
@@ -1819,7 +1819,7 @@
           <a:p>
             <a:fld id="{D87ED840-C909-4A0F-AC24-BB730CF53E23}" type="datetimeFigureOut">
               <a:rPr lang="pt-BR" smtClean="0"/>
-              <a:t>22/12/2025</a:t>
+              <a:t>23/12/2025</a:t>
             </a:fld>
             <a:endParaRPr lang="pt-BR"/>
           </a:p>
@@ -1960,7 +1960,7 @@
           <a:p>
             <a:fld id="{D87ED840-C909-4A0F-AC24-BB730CF53E23}" type="datetimeFigureOut">
               <a:rPr lang="pt-BR" smtClean="0"/>
-              <a:t>22/12/2025</a:t>
+              <a:t>23/12/2025</a:t>
             </a:fld>
             <a:endParaRPr lang="pt-BR"/>
           </a:p>
@@ -2073,7 +2073,7 @@
           <a:p>
             <a:fld id="{D87ED840-C909-4A0F-AC24-BB730CF53E23}" type="datetimeFigureOut">
               <a:rPr lang="pt-BR" smtClean="0"/>
-              <a:t>22/12/2025</a:t>
+              <a:t>23/12/2025</a:t>
             </a:fld>
             <a:endParaRPr lang="pt-BR"/>
           </a:p>
@@ -2384,7 +2384,7 @@
           <a:p>
             <a:fld id="{D87ED840-C909-4A0F-AC24-BB730CF53E23}" type="datetimeFigureOut">
               <a:rPr lang="pt-BR" smtClean="0"/>
-              <a:t>22/12/2025</a:t>
+              <a:t>23/12/2025</a:t>
             </a:fld>
             <a:endParaRPr lang="pt-BR"/>
           </a:p>
@@ -2672,7 +2672,7 @@
           <a:p>
             <a:fld id="{D87ED840-C909-4A0F-AC24-BB730CF53E23}" type="datetimeFigureOut">
               <a:rPr lang="pt-BR" smtClean="0"/>
-              <a:t>22/12/2025</a:t>
+              <a:t>23/12/2025</a:t>
             </a:fld>
             <a:endParaRPr lang="pt-BR"/>
           </a:p>
@@ -2913,7 +2913,7 @@
           <a:p>
             <a:fld id="{D87ED840-C909-4A0F-AC24-BB730CF53E23}" type="datetimeFigureOut">
               <a:rPr lang="pt-BR" smtClean="0"/>
-              <a:t>22/12/2025</a:t>
+              <a:t>23/12/2025</a:t>
             </a:fld>
             <a:endParaRPr lang="pt-BR"/>
           </a:p>
@@ -3332,10 +3332,10 @@
       </p:grpSpPr>
       <p:pic>
         <p:nvPicPr>
-          <p:cNvPr id="5" name="Imagem 4">
-            <a:extLst>
-              <a:ext uri="{FF2B5EF4-FFF2-40B4-BE49-F238E27FC236}">
-                <a16:creationId xmlns:a16="http://schemas.microsoft.com/office/drawing/2014/main" id="{5B860762-1E66-007E-68F6-969657A0C3FF}"/>
+          <p:cNvPr id="3" name="Imagem 2">
+            <a:extLst>
+              <a:ext uri="{FF2B5EF4-FFF2-40B4-BE49-F238E27FC236}">
+                <a16:creationId xmlns:a16="http://schemas.microsoft.com/office/drawing/2014/main" id="{95EED94D-30D0-AD70-B92B-1541C05B2B9D}"/>
               </a:ext>
             </a:extLst>
           </p:cNvPr>
@@ -3352,8 +3352,8 @@
         </p:blipFill>
         <p:spPr>
           <a:xfrm>
-            <a:off x="3542" y="-1995"/>
-            <a:ext cx="12188457" cy="6859995"/>
+            <a:off x="-10073" y="0"/>
+            <a:ext cx="12212147" cy="6858000"/>
           </a:xfrm>
           <a:prstGeom prst="rect">
             <a:avLst/>
@@ -3392,10 +3392,10 @@
       </p:grpSpPr>
       <p:pic>
         <p:nvPicPr>
-          <p:cNvPr id="15" name="Imagem 14">
-            <a:extLst>
-              <a:ext uri="{FF2B5EF4-FFF2-40B4-BE49-F238E27FC236}">
-                <a16:creationId xmlns:a16="http://schemas.microsoft.com/office/drawing/2014/main" id="{FEEB520B-AE80-DCED-2A6B-E7ABF24C9F3F}"/>
+          <p:cNvPr id="3" name="Imagem 2">
+            <a:extLst>
+              <a:ext uri="{FF2B5EF4-FFF2-40B4-BE49-F238E27FC236}">
+                <a16:creationId xmlns:a16="http://schemas.microsoft.com/office/drawing/2014/main" id="{D643267A-271A-5AFC-36B7-1F8187879A94}"/>
               </a:ext>
             </a:extLst>
           </p:cNvPr>
@@ -3412,8 +3412,8 @@
         </p:blipFill>
         <p:spPr>
           <a:xfrm>
-            <a:off x="-19585" y="0"/>
-            <a:ext cx="12231169" cy="6858000"/>
+            <a:off x="-592" y="0"/>
+            <a:ext cx="12193183" cy="6858000"/>
           </a:xfrm>
           <a:prstGeom prst="rect">
             <a:avLst/>
@@ -3452,10 +3452,10 @@
       </p:grpSpPr>
       <p:pic>
         <p:nvPicPr>
-          <p:cNvPr id="3" name="Imagem 2">
-            <a:extLst>
-              <a:ext uri="{FF2B5EF4-FFF2-40B4-BE49-F238E27FC236}">
-                <a16:creationId xmlns:a16="http://schemas.microsoft.com/office/drawing/2014/main" id="{670660B3-1A1D-06A7-F6E8-1C84AF9871E7}"/>
+          <p:cNvPr id="4" name="Imagem 3">
+            <a:extLst>
+              <a:ext uri="{FF2B5EF4-FFF2-40B4-BE49-F238E27FC236}">
+                <a16:creationId xmlns:a16="http://schemas.microsoft.com/office/drawing/2014/main" id="{93DA65CB-E608-53A3-FB32-0ACEC5D6F2E9}"/>
               </a:ext>
             </a:extLst>
           </p:cNvPr>
@@ -3472,8 +3472,8 @@
         </p:blipFill>
         <p:spPr>
           <a:xfrm>
-            <a:off x="1" y="0"/>
-            <a:ext cx="12191999" cy="6858000"/>
+            <a:off x="-10073" y="0"/>
+            <a:ext cx="12212147" cy="6858000"/>
           </a:xfrm>
           <a:prstGeom prst="rect">
             <a:avLst/>
@@ -3512,10 +3512,10 @@
       </p:grpSpPr>
       <p:pic>
         <p:nvPicPr>
-          <p:cNvPr id="3" name="Imagem 2">
-            <a:extLst>
-              <a:ext uri="{FF2B5EF4-FFF2-40B4-BE49-F238E27FC236}">
-                <a16:creationId xmlns:a16="http://schemas.microsoft.com/office/drawing/2014/main" id="{00816446-3808-2E1B-B07C-1D5DD8C07F1F}"/>
+          <p:cNvPr id="4" name="Imagem 3">
+            <a:extLst>
+              <a:ext uri="{FF2B5EF4-FFF2-40B4-BE49-F238E27FC236}">
+                <a16:creationId xmlns:a16="http://schemas.microsoft.com/office/drawing/2014/main" id="{AC4DEE33-4F8A-7564-4A32-08B949668AEC}"/>
               </a:ext>
             </a:extLst>
           </p:cNvPr>
@@ -3532,8 +3532,8 @@
         </p:blipFill>
         <p:spPr>
           <a:xfrm>
-            <a:off x="-15408" y="1"/>
-            <a:ext cx="12207407" cy="6858000"/>
+            <a:off x="0" y="-4991"/>
+            <a:ext cx="12191999" cy="6867981"/>
           </a:xfrm>
           <a:prstGeom prst="rect">
             <a:avLst/>
@@ -3572,10 +3572,10 @@
       </p:grpSpPr>
       <p:pic>
         <p:nvPicPr>
-          <p:cNvPr id="3" name="Imagem 2">
-            <a:extLst>
-              <a:ext uri="{FF2B5EF4-FFF2-40B4-BE49-F238E27FC236}">
-                <a16:creationId xmlns:a16="http://schemas.microsoft.com/office/drawing/2014/main" id="{C32F5045-6F38-4D55-8302-23632C546A45}"/>
+          <p:cNvPr id="4" name="Imagem 3">
+            <a:extLst>
+              <a:ext uri="{FF2B5EF4-FFF2-40B4-BE49-F238E27FC236}">
+                <a16:creationId xmlns:a16="http://schemas.microsoft.com/office/drawing/2014/main" id="{78FB82BE-D6B1-E08E-FF87-84FE4D6F5535}"/>
               </a:ext>
             </a:extLst>
           </p:cNvPr>
@@ -3592,8 +3592,8 @@
         </p:blipFill>
         <p:spPr>
           <a:xfrm>
-            <a:off x="-1" y="0"/>
-            <a:ext cx="12225337" cy="6858000"/>
+            <a:off x="-19585" y="0"/>
+            <a:ext cx="12231169" cy="6858000"/>
           </a:xfrm>
           <a:prstGeom prst="rect">
             <a:avLst/>
